--- a/010_Array.pptx
+++ b/010_Array.pptx
@@ -5,34 +5,35 @@
     <p:sldMasterId id="2147483648" r:id="rId1"/>
   </p:sldMasterIdLst>
   <p:notesMasterIdLst>
-    <p:notesMasterId r:id="rId27"/>
+    <p:notesMasterId r:id="rId28"/>
   </p:notesMasterIdLst>
   <p:sldIdLst>
     <p:sldId id="256" r:id="rId2"/>
     <p:sldId id="262" r:id="rId3"/>
-    <p:sldId id="265" r:id="rId4"/>
-    <p:sldId id="267" r:id="rId5"/>
-    <p:sldId id="268" r:id="rId6"/>
-    <p:sldId id="269" r:id="rId7"/>
-    <p:sldId id="271" r:id="rId8"/>
-    <p:sldId id="270" r:id="rId9"/>
-    <p:sldId id="272" r:id="rId10"/>
-    <p:sldId id="273" r:id="rId11"/>
-    <p:sldId id="274" r:id="rId12"/>
-    <p:sldId id="275" r:id="rId13"/>
-    <p:sldId id="277" r:id="rId14"/>
-    <p:sldId id="278" r:id="rId15"/>
-    <p:sldId id="279" r:id="rId16"/>
-    <p:sldId id="280" r:id="rId17"/>
-    <p:sldId id="281" r:id="rId18"/>
-    <p:sldId id="282" r:id="rId19"/>
-    <p:sldId id="283" r:id="rId20"/>
-    <p:sldId id="284" r:id="rId21"/>
-    <p:sldId id="285" r:id="rId22"/>
-    <p:sldId id="286" r:id="rId23"/>
-    <p:sldId id="287" r:id="rId24"/>
-    <p:sldId id="288" r:id="rId25"/>
-    <p:sldId id="259" r:id="rId26"/>
+    <p:sldId id="289" r:id="rId4"/>
+    <p:sldId id="265" r:id="rId5"/>
+    <p:sldId id="267" r:id="rId6"/>
+    <p:sldId id="268" r:id="rId7"/>
+    <p:sldId id="269" r:id="rId8"/>
+    <p:sldId id="271" r:id="rId9"/>
+    <p:sldId id="270" r:id="rId10"/>
+    <p:sldId id="272" r:id="rId11"/>
+    <p:sldId id="273" r:id="rId12"/>
+    <p:sldId id="274" r:id="rId13"/>
+    <p:sldId id="275" r:id="rId14"/>
+    <p:sldId id="277" r:id="rId15"/>
+    <p:sldId id="278" r:id="rId16"/>
+    <p:sldId id="279" r:id="rId17"/>
+    <p:sldId id="280" r:id="rId18"/>
+    <p:sldId id="281" r:id="rId19"/>
+    <p:sldId id="282" r:id="rId20"/>
+    <p:sldId id="283" r:id="rId21"/>
+    <p:sldId id="284" r:id="rId22"/>
+    <p:sldId id="285" r:id="rId23"/>
+    <p:sldId id="286" r:id="rId24"/>
+    <p:sldId id="287" r:id="rId25"/>
+    <p:sldId id="288" r:id="rId26"/>
+    <p:sldId id="259" r:id="rId27"/>
   </p:sldIdLst>
   <p:sldSz cx="9144000" cy="6858000" type="screen4x3"/>
   <p:notesSz cx="6858000" cy="9144000"/>
@@ -233,7 +234,7 @@
             <a:fld id="{6837EDA8-41C8-4B24-A206-13C08A65A6D7}" type="datetimeFigureOut">
               <a:rPr lang="zh-TW" altLang="en-US" smtClean="0"/>
               <a:pPr/>
-              <a:t>2022/10/16</a:t>
+              <a:t>2022/10/17</a:t>
             </a:fld>
             <a:endParaRPr lang="zh-TW" altLang="en-US"/>
           </a:p>
@@ -686,7 +687,7 @@
             <a:fld id="{8B85509C-BD4F-47BF-9B1E-FC2E949B3621}" type="datetime1">
               <a:rPr lang="zh-TW" altLang="en-US" smtClean="0"/>
               <a:pPr/>
-              <a:t>2022/10/16</a:t>
+              <a:t>2022/10/17</a:t>
             </a:fld>
             <a:endParaRPr lang="zh-TW" altLang="en-US"/>
           </a:p>
@@ -859,7 +860,7 @@
             <a:fld id="{42251B24-F787-4C15-8A0F-7AEC20C70069}" type="datetime1">
               <a:rPr lang="zh-TW" altLang="en-US" smtClean="0"/>
               <a:pPr/>
-              <a:t>2022/10/16</a:t>
+              <a:t>2022/10/17</a:t>
             </a:fld>
             <a:endParaRPr lang="zh-TW" altLang="en-US"/>
           </a:p>
@@ -1034,7 +1035,7 @@
             <a:fld id="{9CA0D33C-CE2B-45F1-B8D4-FFD1F131F331}" type="datetime1">
               <a:rPr lang="zh-TW" altLang="en-US" smtClean="0"/>
               <a:pPr/>
-              <a:t>2022/10/16</a:t>
+              <a:t>2022/10/17</a:t>
             </a:fld>
             <a:endParaRPr lang="zh-TW" altLang="en-US"/>
           </a:p>
@@ -1199,7 +1200,7 @@
             <a:fld id="{50B99440-D9EF-40CC-9B52-F6428D9B2C76}" type="datetime1">
               <a:rPr lang="zh-TW" altLang="en-US" smtClean="0"/>
               <a:pPr/>
-              <a:t>2022/10/16</a:t>
+              <a:t>2022/10/17</a:t>
             </a:fld>
             <a:endParaRPr lang="zh-TW" altLang="en-US"/>
           </a:p>
@@ -1441,7 +1442,7 @@
             <a:fld id="{0871BF52-5C6C-4959-8E27-CECB68D39FE4}" type="datetime1">
               <a:rPr lang="zh-TW" altLang="en-US" smtClean="0"/>
               <a:pPr/>
-              <a:t>2022/10/16</a:t>
+              <a:t>2022/10/17</a:t>
             </a:fld>
             <a:endParaRPr lang="zh-TW" altLang="en-US"/>
           </a:p>
@@ -1723,7 +1724,7 @@
             <a:fld id="{DF863F05-2DD9-4EB1-A827-12FD992DE9DC}" type="datetime1">
               <a:rPr lang="zh-TW" altLang="en-US" smtClean="0"/>
               <a:pPr/>
-              <a:t>2022/10/16</a:t>
+              <a:t>2022/10/17</a:t>
             </a:fld>
             <a:endParaRPr lang="zh-TW" altLang="en-US"/>
           </a:p>
@@ -2139,7 +2140,7 @@
             <a:fld id="{6339AF51-4491-4873-A096-75DB6CE47516}" type="datetime1">
               <a:rPr lang="zh-TW" altLang="en-US" smtClean="0"/>
               <a:pPr/>
-              <a:t>2022/10/16</a:t>
+              <a:t>2022/10/17</a:t>
             </a:fld>
             <a:endParaRPr lang="zh-TW" altLang="en-US"/>
           </a:p>
@@ -2253,7 +2254,7 @@
             <a:fld id="{EE4AD9C8-8B9E-40FF-ABE2-858AC2057BBB}" type="datetime1">
               <a:rPr lang="zh-TW" altLang="en-US" smtClean="0"/>
               <a:pPr/>
-              <a:t>2022/10/16</a:t>
+              <a:t>2022/10/17</a:t>
             </a:fld>
             <a:endParaRPr lang="zh-TW" altLang="en-US"/>
           </a:p>
@@ -2345,7 +2346,7 @@
             <a:fld id="{B4784999-BBBE-4BE4-A8D0-877E7D1D66CC}" type="datetime1">
               <a:rPr lang="zh-TW" altLang="en-US" smtClean="0"/>
               <a:pPr/>
-              <a:t>2022/10/16</a:t>
+              <a:t>2022/10/17</a:t>
             </a:fld>
             <a:endParaRPr lang="zh-TW" altLang="en-US"/>
           </a:p>
@@ -2617,7 +2618,7 @@
             <a:fld id="{E88D17E6-02BD-4944-B9FE-7BFCCBF83D48}" type="datetime1">
               <a:rPr lang="zh-TW" altLang="en-US" smtClean="0"/>
               <a:pPr/>
-              <a:t>2022/10/16</a:t>
+              <a:t>2022/10/17</a:t>
             </a:fld>
             <a:endParaRPr lang="zh-TW" altLang="en-US"/>
           </a:p>
@@ -2866,7 +2867,7 @@
             <a:fld id="{3C13E23D-1FEF-4D78-A3A3-3D6F2BB31954}" type="datetime1">
               <a:rPr lang="zh-TW" altLang="en-US" smtClean="0"/>
               <a:pPr/>
-              <a:t>2022/10/16</a:t>
+              <a:t>2022/10/17</a:t>
             </a:fld>
             <a:endParaRPr lang="zh-TW" altLang="en-US"/>
           </a:p>
@@ -3074,7 +3075,7 @@
             <a:fld id="{06197F35-AD6F-4594-8B50-334492D2E7E8}" type="datetime1">
               <a:rPr lang="zh-TW" altLang="en-US" smtClean="0"/>
               <a:pPr/>
-              <a:t>2022/10/16</a:t>
+              <a:t>2022/10/17</a:t>
             </a:fld>
             <a:endParaRPr lang="zh-TW" altLang="en-US"/>
           </a:p>
@@ -3535,7 +3536,7 @@
             <a:fld id="{C389EDC9-19E3-47AC-9C57-C6A24DEA81AD}" type="datetime1">
               <a:rPr lang="zh-TW" altLang="en-US" smtClean="0"/>
               <a:pPr/>
-              <a:t>2022/10/16</a:t>
+              <a:t>2022/10/17</a:t>
             </a:fld>
             <a:endParaRPr lang="zh-TW" altLang="en-US"/>
           </a:p>
@@ -3649,6 +3650,172 @@
         </p:nvSpPr>
         <p:spPr>
           <a:xfrm>
+            <a:off x="0" y="2130425"/>
+            <a:ext cx="9144000" cy="1470025"/>
+          </a:xfrm>
+          <a:solidFill>
+            <a:srgbClr val="00B0F0"/>
+          </a:solidFill>
+        </p:spPr>
+        <p:txBody>
+          <a:bodyPr>
+            <a:normAutofit/>
+          </a:bodyPr>
+          <a:lstStyle/>
+          <a:p>
+            <a:r>
+              <a:rPr lang="en-US" altLang="zh-TW" sz="4000" b="1" dirty="0">
+                <a:solidFill>
+                  <a:srgbClr val="FFFF00"/>
+                </a:solidFill>
+              </a:rPr>
+              <a:t>010.3 Traverse Operation</a:t>
+            </a:r>
+            <a:endParaRPr lang="zh-TW" altLang="en-US" sz="4000" b="1" dirty="0">
+              <a:solidFill>
+                <a:srgbClr val="FFFF00"/>
+              </a:solidFill>
+            </a:endParaRPr>
+          </a:p>
+        </p:txBody>
+      </p:sp>
+      <p:sp>
+        <p:nvSpPr>
+          <p:cNvPr id="5" name="日期版面配置區 4"/>
+          <p:cNvSpPr>
+            <a:spLocks noGrp="1"/>
+          </p:cNvSpPr>
+          <p:nvPr>
+            <p:ph type="dt" sz="half" idx="10"/>
+          </p:nvPr>
+        </p:nvSpPr>
+        <p:spPr/>
+        <p:txBody>
+          <a:bodyPr/>
+          <a:lstStyle/>
+          <a:p>
+            <a:fld id="{C389EDC9-19E3-47AC-9C57-C6A24DEA81AD}" type="datetime1">
+              <a:rPr lang="zh-TW" altLang="en-US" smtClean="0"/>
+              <a:pPr/>
+              <a:t>2022/10/17</a:t>
+            </a:fld>
+            <a:endParaRPr lang="zh-TW" altLang="en-US"/>
+          </a:p>
+        </p:txBody>
+      </p:sp>
+      <p:sp>
+        <p:nvSpPr>
+          <p:cNvPr id="6" name="投影片編號版面配置區 5"/>
+          <p:cNvSpPr>
+            <a:spLocks noGrp="1"/>
+          </p:cNvSpPr>
+          <p:nvPr>
+            <p:ph type="sldNum" sz="quarter" idx="12"/>
+          </p:nvPr>
+        </p:nvSpPr>
+        <p:spPr/>
+        <p:txBody>
+          <a:bodyPr/>
+          <a:lstStyle/>
+          <a:p>
+            <a:fld id="{E4D7E63D-91F2-4366-A2C4-1B00C9E2590E}" type="slidenum">
+              <a:rPr lang="zh-TW" altLang="en-US" smtClean="0"/>
+              <a:pPr/>
+              <a:t>10</a:t>
+            </a:fld>
+            <a:endParaRPr lang="zh-TW" altLang="en-US"/>
+          </a:p>
+        </p:txBody>
+      </p:sp>
+      <p:pic>
+        <p:nvPicPr>
+          <p:cNvPr id="3" name="Picture 2" descr="C/C++ Development Company - ScienceSoft">
+            <a:extLst>
+              <a:ext uri="{FF2B5EF4-FFF2-40B4-BE49-F238E27FC236}">
+                <a16:creationId xmlns:a16="http://schemas.microsoft.com/office/drawing/2014/main" id="{090B1870-8599-511F-AA56-D172892D72B8}"/>
+              </a:ext>
+            </a:extLst>
+          </p:cNvPr>
+          <p:cNvPicPr>
+            <a:picLocks noChangeAspect="1" noChangeArrowheads="1"/>
+          </p:cNvPicPr>
+          <p:nvPr/>
+        </p:nvPicPr>
+        <p:blipFill>
+          <a:blip r:embed="rId2">
+            <a:extLst>
+              <a:ext uri="{28A0092B-C50C-407E-A947-70E740481C1C}">
+                <a14:useLocalDpi xmlns:a14="http://schemas.microsoft.com/office/drawing/2010/main" val="0"/>
+              </a:ext>
+            </a:extLst>
+          </a:blip>
+          <a:srcRect/>
+          <a:stretch>
+            <a:fillRect/>
+          </a:stretch>
+        </p:blipFill>
+        <p:spPr bwMode="auto">
+          <a:xfrm>
+            <a:off x="3563888" y="3861048"/>
+            <a:ext cx="1656184" cy="690077"/>
+          </a:xfrm>
+          <a:prstGeom prst="rect">
+            <a:avLst/>
+          </a:prstGeom>
+          <a:noFill/>
+          <a:extLst>
+            <a:ext uri="{909E8E84-426E-40DD-AFC4-6F175D3DCCD1}">
+              <a14:hiddenFill xmlns:a14="http://schemas.microsoft.com/office/drawing/2010/main">
+                <a:solidFill>
+                  <a:srgbClr val="FFFFFF"/>
+                </a:solidFill>
+              </a14:hiddenFill>
+            </a:ext>
+          </a:extLst>
+        </p:spPr>
+      </p:pic>
+    </p:spTree>
+    <p:extLst>
+      <p:ext uri="{BB962C8B-B14F-4D97-AF65-F5344CB8AC3E}">
+        <p14:creationId xmlns:p14="http://schemas.microsoft.com/office/powerpoint/2010/main" val="156310513"/>
+      </p:ext>
+    </p:extLst>
+  </p:cSld>
+  <p:clrMapOvr>
+    <a:masterClrMapping/>
+  </p:clrMapOvr>
+</p:sld>
+</file>
+
+<file path=ppt/slides/slide11.xml><?xml version="1.0" encoding="utf-8"?>
+<p:sld xmlns:a="http://schemas.openxmlformats.org/drawingml/2006/main" xmlns:r="http://schemas.openxmlformats.org/officeDocument/2006/relationships" xmlns:p="http://schemas.openxmlformats.org/presentationml/2006/main">
+  <p:cSld>
+    <p:spTree>
+      <p:nvGrpSpPr>
+        <p:cNvPr id="1" name=""/>
+        <p:cNvGrpSpPr/>
+        <p:nvPr/>
+      </p:nvGrpSpPr>
+      <p:grpSpPr>
+        <a:xfrm>
+          <a:off x="0" y="0"/>
+          <a:ext cx="0" cy="0"/>
+          <a:chOff x="0" y="0"/>
+          <a:chExt cx="0" cy="0"/>
+        </a:xfrm>
+      </p:grpSpPr>
+      <p:sp>
+        <p:nvSpPr>
+          <p:cNvPr id="2" name="標題 1"/>
+          <p:cNvSpPr>
+            <a:spLocks noGrp="1"/>
+          </p:cNvSpPr>
+          <p:nvPr>
+            <p:ph type="ctrTitle"/>
+          </p:nvPr>
+        </p:nvSpPr>
+        <p:spPr>
+          <a:xfrm>
             <a:off x="0" y="1"/>
             <a:ext cx="9144000" cy="764704"/>
           </a:xfrm>
@@ -3886,7 +4053,7 @@
             <a:fld id="{A4F910E6-8D00-4BAF-8C48-9688E0B449D3}" type="datetime1">
               <a:rPr lang="zh-TW" altLang="en-US" smtClean="0"/>
               <a:pPr/>
-              <a:t>2022/10/16</a:t>
+              <a:t>2022/10/17</a:t>
             </a:fld>
             <a:endParaRPr lang="zh-TW" altLang="en-US"/>
           </a:p>
@@ -3910,7 +4077,7 @@
             <a:fld id="{E4D7E63D-91F2-4366-A2C4-1B00C9E2590E}" type="slidenum">
               <a:rPr lang="zh-TW" altLang="en-US" smtClean="0"/>
               <a:pPr/>
-              <a:t>10</a:t>
+              <a:t>11</a:t>
             </a:fld>
             <a:endParaRPr lang="zh-TW" altLang="en-US"/>
           </a:p>
@@ -3964,7 +4131,7 @@
 </p:sld>
 </file>
 
-<file path=ppt/slides/slide11.xml><?xml version="1.0" encoding="utf-8"?>
+<file path=ppt/slides/slide12.xml><?xml version="1.0" encoding="utf-8"?>
 <p:sld xmlns:a="http://schemas.openxmlformats.org/drawingml/2006/main" xmlns:r="http://schemas.openxmlformats.org/officeDocument/2006/relationships" xmlns:p="http://schemas.openxmlformats.org/presentationml/2006/main">
   <p:cSld>
     <p:spTree>
@@ -4290,7 +4457,7 @@
             <a:fld id="{E4D7E63D-91F2-4366-A2C4-1B00C9E2590E}" type="slidenum">
               <a:rPr lang="zh-TW" altLang="en-US" smtClean="0"/>
               <a:pPr/>
-              <a:t>11</a:t>
+              <a:t>12</a:t>
             </a:fld>
             <a:endParaRPr lang="zh-TW" altLang="en-US"/>
           </a:p>
@@ -4379,7 +4546,7 @@
 </p:sld>
 </file>
 
-<file path=ppt/slides/slide12.xml><?xml version="1.0" encoding="utf-8"?>
+<file path=ppt/slides/slide13.xml><?xml version="1.0" encoding="utf-8"?>
 <p:sld xmlns:a="http://schemas.openxmlformats.org/drawingml/2006/main" xmlns:r="http://schemas.openxmlformats.org/officeDocument/2006/relationships" xmlns:p="http://schemas.openxmlformats.org/presentationml/2006/main">
   <p:cSld>
     <p:spTree>
@@ -4479,7 +4646,7 @@
             <a:fld id="{E4D7E63D-91F2-4366-A2C4-1B00C9E2590E}" type="slidenum">
               <a:rPr lang="zh-TW" altLang="en-US" smtClean="0"/>
               <a:pPr/>
-              <a:t>12</a:t>
+              <a:t>13</a:t>
             </a:fld>
             <a:endParaRPr lang="zh-TW" altLang="en-US"/>
           </a:p>
@@ -4545,7 +4712,7 @@
 </p:sld>
 </file>
 
-<file path=ppt/slides/slide13.xml><?xml version="1.0" encoding="utf-8"?>
+<file path=ppt/slides/slide14.xml><?xml version="1.0" encoding="utf-8"?>
 <p:sld xmlns:a="http://schemas.openxmlformats.org/drawingml/2006/main" xmlns:r="http://schemas.openxmlformats.org/officeDocument/2006/relationships" xmlns:p="http://schemas.openxmlformats.org/presentationml/2006/main">
   <p:cSld>
     <p:spTree>
@@ -4844,7 +5011,7 @@
             <a:fld id="{E4D7E63D-91F2-4366-A2C4-1B00C9E2590E}" type="slidenum">
               <a:rPr lang="zh-TW" altLang="en-US" smtClean="0"/>
               <a:pPr/>
-              <a:t>13</a:t>
+              <a:t>14</a:t>
             </a:fld>
             <a:endParaRPr lang="zh-TW" altLang="en-US"/>
           </a:p>
@@ -4933,7 +5100,7 @@
 </p:sld>
 </file>
 
-<file path=ppt/slides/slide14.xml><?xml version="1.0" encoding="utf-8"?>
+<file path=ppt/slides/slide15.xml><?xml version="1.0" encoding="utf-8"?>
 <p:sld xmlns:a="http://schemas.openxmlformats.org/drawingml/2006/main" xmlns:r="http://schemas.openxmlformats.org/officeDocument/2006/relationships" xmlns:p="http://schemas.openxmlformats.org/presentationml/2006/main">
   <p:cSld>
     <p:spTree>
@@ -5033,7 +5200,7 @@
             <a:fld id="{E4D7E63D-91F2-4366-A2C4-1B00C9E2590E}" type="slidenum">
               <a:rPr lang="zh-TW" altLang="en-US" smtClean="0"/>
               <a:pPr/>
-              <a:t>14</a:t>
+              <a:t>15</a:t>
             </a:fld>
             <a:endParaRPr lang="zh-TW" altLang="en-US"/>
           </a:p>
@@ -5099,7 +5266,7 @@
 </p:sld>
 </file>
 
-<file path=ppt/slides/slide15.xml><?xml version="1.0" encoding="utf-8"?>
+<file path=ppt/slides/slide16.xml><?xml version="1.0" encoding="utf-8"?>
 <p:sld xmlns:a="http://schemas.openxmlformats.org/drawingml/2006/main" xmlns:r="http://schemas.openxmlformats.org/officeDocument/2006/relationships" xmlns:p="http://schemas.openxmlformats.org/presentationml/2006/main">
   <p:cSld>
     <p:spTree>
@@ -5371,7 +5538,7 @@
             <a:fld id="{E4D7E63D-91F2-4366-A2C4-1B00C9E2590E}" type="slidenum">
               <a:rPr lang="zh-TW" altLang="en-US" smtClean="0"/>
               <a:pPr/>
-              <a:t>15</a:t>
+              <a:t>16</a:t>
             </a:fld>
             <a:endParaRPr lang="zh-TW" altLang="en-US"/>
           </a:p>
@@ -5460,7 +5627,7 @@
 </p:sld>
 </file>
 
-<file path=ppt/slides/slide16.xml><?xml version="1.0" encoding="utf-8"?>
+<file path=ppt/slides/slide17.xml><?xml version="1.0" encoding="utf-8"?>
 <p:sld xmlns:a="http://schemas.openxmlformats.org/drawingml/2006/main" xmlns:r="http://schemas.openxmlformats.org/officeDocument/2006/relationships" xmlns:p="http://schemas.openxmlformats.org/presentationml/2006/main">
   <p:cSld>
     <p:spTree>
@@ -5560,7 +5727,7 @@
             <a:fld id="{E4D7E63D-91F2-4366-A2C4-1B00C9E2590E}" type="slidenum">
               <a:rPr lang="zh-TW" altLang="en-US" smtClean="0"/>
               <a:pPr/>
-              <a:t>16</a:t>
+              <a:t>17</a:t>
             </a:fld>
             <a:endParaRPr lang="zh-TW" altLang="en-US"/>
           </a:p>
@@ -5626,7 +5793,7 @@
 </p:sld>
 </file>
 
-<file path=ppt/slides/slide17.xml><?xml version="1.0" encoding="utf-8"?>
+<file path=ppt/slides/slide18.xml><?xml version="1.0" encoding="utf-8"?>
 <p:sld xmlns:a="http://schemas.openxmlformats.org/drawingml/2006/main" xmlns:r="http://schemas.openxmlformats.org/officeDocument/2006/relationships" xmlns:p="http://schemas.openxmlformats.org/presentationml/2006/main">
   <p:cSld>
     <p:spTree>
@@ -5905,7 +6072,7 @@
             <a:fld id="{E4D7E63D-91F2-4366-A2C4-1B00C9E2590E}" type="slidenum">
               <a:rPr lang="zh-TW" altLang="en-US" smtClean="0"/>
               <a:pPr/>
-              <a:t>17</a:t>
+              <a:t>18</a:t>
             </a:fld>
             <a:endParaRPr lang="zh-TW" altLang="en-US"/>
           </a:p>
@@ -5924,7 +6091,7 @@
 </p:sld>
 </file>
 
-<file path=ppt/slides/slide18.xml><?xml version="1.0" encoding="utf-8"?>
+<file path=ppt/slides/slide19.xml><?xml version="1.0" encoding="utf-8"?>
 <p:sld xmlns:a="http://schemas.openxmlformats.org/drawingml/2006/main" xmlns:r="http://schemas.openxmlformats.org/officeDocument/2006/relationships" xmlns:p="http://schemas.openxmlformats.org/presentationml/2006/main">
   <p:cSld>
     <p:spTree>
@@ -6123,7 +6290,7 @@
             <a:fld id="{E4D7E63D-91F2-4366-A2C4-1B00C9E2590E}" type="slidenum">
               <a:rPr lang="zh-TW" altLang="en-US" smtClean="0"/>
               <a:pPr/>
-              <a:t>18</a:t>
+              <a:t>19</a:t>
             </a:fld>
             <a:endParaRPr lang="zh-TW" altLang="en-US"/>
           </a:p>
@@ -6402,7 +6569,7 @@
 </p:sld>
 </file>
 
-<file path=ppt/slides/slide19.xml><?xml version="1.0" encoding="utf-8"?>
+<file path=ppt/slides/slide2.xml><?xml version="1.0" encoding="utf-8"?>
 <p:sld xmlns:a="http://schemas.openxmlformats.org/drawingml/2006/main" xmlns:r="http://schemas.openxmlformats.org/officeDocument/2006/relationships" xmlns:p="http://schemas.openxmlformats.org/presentationml/2006/main">
   <p:cSld>
     <p:spTree>
@@ -6431,6 +6598,364 @@
         </p:nvSpPr>
         <p:spPr>
           <a:xfrm>
+            <a:off x="0" y="1"/>
+            <a:ext cx="9144000" cy="764704"/>
+          </a:xfrm>
+          <a:gradFill flip="none" rotWithShape="1">
+            <a:gsLst>
+              <a:gs pos="0">
+                <a:srgbClr val="C00000">
+                  <a:shade val="30000"/>
+                  <a:satMod val="115000"/>
+                </a:srgbClr>
+              </a:gs>
+              <a:gs pos="50000">
+                <a:srgbClr val="C00000">
+                  <a:shade val="67500"/>
+                  <a:satMod val="115000"/>
+                </a:srgbClr>
+              </a:gs>
+              <a:gs pos="100000">
+                <a:srgbClr val="C00000">
+                  <a:shade val="100000"/>
+                  <a:satMod val="115000"/>
+                </a:srgbClr>
+              </a:gs>
+            </a:gsLst>
+            <a:path path="circle">
+              <a:fillToRect t="100000" r="100000"/>
+            </a:path>
+            <a:tileRect l="-100000" b="-100000"/>
+          </a:gradFill>
+        </p:spPr>
+        <p:txBody>
+          <a:bodyPr>
+            <a:normAutofit/>
+          </a:bodyPr>
+          <a:lstStyle/>
+          <a:p>
+            <a:pPr algn="l"/>
+            <a:r>
+              <a:rPr lang="en-US" altLang="zh-TW" sz="4000" b="1" dirty="0">
+                <a:solidFill>
+                  <a:srgbClr val="FFFF00"/>
+                </a:solidFill>
+              </a:rPr>
+              <a:t>010 Array Data Structure</a:t>
+            </a:r>
+            <a:endParaRPr lang="zh-TW" altLang="en-US" sz="4000" b="1" dirty="0">
+              <a:solidFill>
+                <a:srgbClr val="FFFF00"/>
+              </a:solidFill>
+            </a:endParaRPr>
+          </a:p>
+        </p:txBody>
+      </p:sp>
+      <p:sp>
+        <p:nvSpPr>
+          <p:cNvPr id="3" name="副標題 2"/>
+          <p:cNvSpPr>
+            <a:spLocks noGrp="1"/>
+          </p:cNvSpPr>
+          <p:nvPr>
+            <p:ph type="subTitle" idx="1"/>
+          </p:nvPr>
+        </p:nvSpPr>
+        <p:spPr>
+          <a:xfrm>
+            <a:off x="444969" y="1268758"/>
+            <a:ext cx="8241831" cy="2520282"/>
+          </a:xfrm>
+          <a:ln>
+            <a:solidFill>
+              <a:srgbClr val="C00000"/>
+            </a:solidFill>
+          </a:ln>
+        </p:spPr>
+        <p:txBody>
+          <a:bodyPr>
+            <a:noAutofit/>
+          </a:bodyPr>
+          <a:lstStyle/>
+          <a:p>
+            <a:pPr marL="342900" indent="-342900" algn="l">
+              <a:buClr>
+                <a:srgbClr val="0070C0"/>
+              </a:buClr>
+              <a:buSzPct val="80000"/>
+              <a:buFont typeface="Wingdings" pitchFamily="2" charset="2"/>
+              <a:buChar char="u"/>
+            </a:pPr>
+            <a:r>
+              <a:rPr lang="en-US" sz="1800" b="1" dirty="0">
+                <a:solidFill>
+                  <a:schemeClr val="tx1"/>
+                </a:solidFill>
+              </a:rPr>
+              <a:t>Array Data Structure</a:t>
+            </a:r>
+          </a:p>
+          <a:p>
+            <a:pPr marL="342900" indent="-342900" algn="l">
+              <a:buClr>
+                <a:srgbClr val="0070C0"/>
+              </a:buClr>
+              <a:buSzPct val="80000"/>
+              <a:buFont typeface="Wingdings" pitchFamily="2" charset="2"/>
+              <a:buChar char="u"/>
+            </a:pPr>
+            <a:r>
+              <a:rPr lang="en-US" sz="1800" b="0" i="0" dirty="0">
+                <a:solidFill>
+                  <a:srgbClr val="000000"/>
+                </a:solidFill>
+                <a:effectLst/>
+              </a:rPr>
+              <a:t>Array is a container which can hold a fix number of items and these items should be of the same type.</a:t>
+            </a:r>
+          </a:p>
+          <a:p>
+            <a:pPr marL="342900" indent="-342900" algn="l">
+              <a:buClr>
+                <a:srgbClr val="0070C0"/>
+              </a:buClr>
+              <a:buSzPct val="80000"/>
+              <a:buFont typeface="Wingdings" pitchFamily="2" charset="2"/>
+              <a:buChar char="u"/>
+            </a:pPr>
+            <a:r>
+              <a:rPr lang="en-US" sz="1800" b="0" i="0" dirty="0">
+                <a:solidFill>
+                  <a:srgbClr val="000000"/>
+                </a:solidFill>
+                <a:effectLst/>
+              </a:rPr>
+              <a:t>Most of the data structures make use of arrays to implement their algorithms. Following are the important terms to understand the concept of Array.</a:t>
+            </a:r>
+          </a:p>
+          <a:p>
+            <a:pPr marL="800100" lvl="1" indent="-342900" algn="l">
+              <a:buClr>
+                <a:srgbClr val="0070C0"/>
+              </a:buClr>
+              <a:buSzPct val="80000"/>
+              <a:buFont typeface="Wingdings" pitchFamily="2" charset="2"/>
+              <a:buChar char="u"/>
+            </a:pPr>
+            <a:r>
+              <a:rPr lang="en-US" sz="1800" b="1" i="0" dirty="0">
+                <a:solidFill>
+                  <a:srgbClr val="000000"/>
+                </a:solidFill>
+                <a:effectLst/>
+              </a:rPr>
+              <a:t>Element</a:t>
+            </a:r>
+            <a:r>
+              <a:rPr lang="en-US" sz="1800" b="0" i="0" dirty="0">
+                <a:solidFill>
+                  <a:srgbClr val="000000"/>
+                </a:solidFill>
+                <a:effectLst/>
+              </a:rPr>
+              <a:t> − Each item stored in an array is called an element.</a:t>
+            </a:r>
+          </a:p>
+          <a:p>
+            <a:pPr marL="800100" lvl="1" indent="-342900" algn="l">
+              <a:buClr>
+                <a:srgbClr val="0070C0"/>
+              </a:buClr>
+              <a:buSzPct val="80000"/>
+              <a:buFont typeface="Wingdings" pitchFamily="2" charset="2"/>
+              <a:buChar char="u"/>
+            </a:pPr>
+            <a:r>
+              <a:rPr lang="en-US" sz="1800" b="1" i="0" dirty="0">
+                <a:solidFill>
+                  <a:srgbClr val="000000"/>
+                </a:solidFill>
+                <a:effectLst/>
+              </a:rPr>
+              <a:t>Index</a:t>
+            </a:r>
+            <a:r>
+              <a:rPr lang="en-US" sz="1800" b="0" i="0" dirty="0">
+                <a:solidFill>
+                  <a:srgbClr val="000000"/>
+                </a:solidFill>
+                <a:effectLst/>
+              </a:rPr>
+              <a:t> − Each location of an element in an array has a numerical index, which is used to identify the element.</a:t>
+            </a:r>
+          </a:p>
+        </p:txBody>
+      </p:sp>
+      <p:sp>
+        <p:nvSpPr>
+          <p:cNvPr id="4" name="標題 1"/>
+          <p:cNvSpPr txBox="1">
+            <a:spLocks/>
+          </p:cNvSpPr>
+          <p:nvPr/>
+        </p:nvSpPr>
+        <p:spPr>
+          <a:xfrm>
+            <a:off x="0" y="764704"/>
+            <a:ext cx="9144000" cy="360040"/>
+          </a:xfrm>
+          <a:prstGeom prst="rect">
+            <a:avLst/>
+          </a:prstGeom>
+          <a:gradFill flip="none" rotWithShape="1">
+            <a:gsLst>
+              <a:gs pos="0">
+                <a:srgbClr val="00B0F0">
+                  <a:shade val="30000"/>
+                  <a:satMod val="115000"/>
+                </a:srgbClr>
+              </a:gs>
+              <a:gs pos="50000">
+                <a:srgbClr val="00B0F0">
+                  <a:shade val="67500"/>
+                  <a:satMod val="115000"/>
+                </a:srgbClr>
+              </a:gs>
+              <a:gs pos="100000">
+                <a:srgbClr val="00B0F0">
+                  <a:shade val="100000"/>
+                  <a:satMod val="115000"/>
+                </a:srgbClr>
+              </a:gs>
+            </a:gsLst>
+            <a:path path="circle">
+              <a:fillToRect t="100000" r="100000"/>
+            </a:path>
+            <a:tileRect l="-100000" b="-100000"/>
+          </a:gradFill>
+        </p:spPr>
+        <p:txBody>
+          <a:bodyPr vert="horz" lIns="91440" tIns="45720" rIns="91440" bIns="45720" rtlCol="0" anchor="ctr">
+            <a:normAutofit/>
+          </a:bodyPr>
+          <a:lstStyle/>
+          <a:p>
+            <a:pPr lvl="0">
+              <a:spcBef>
+                <a:spcPct val="0"/>
+              </a:spcBef>
+            </a:pPr>
+            <a:r>
+              <a:rPr lang="en-US" sz="1600" dirty="0"/>
+              <a:t>https://www.tutorialspoint.com/data_structures_algorithms/array_data_structure.htm</a:t>
+            </a:r>
+            <a:endParaRPr kumimoji="0" lang="zh-TW" altLang="en-US" sz="1600" b="0" i="0" u="none" strike="noStrike" kern="1200" cap="none" spc="0" normalizeH="0" baseline="0" noProof="0" dirty="0">
+              <a:ln>
+                <a:noFill/>
+              </a:ln>
+              <a:solidFill>
+                <a:schemeClr val="tx1"/>
+              </a:solidFill>
+              <a:effectLst/>
+              <a:uLnTx/>
+              <a:uFillTx/>
+              <a:latin typeface="+mj-lt"/>
+              <a:ea typeface="+mj-ea"/>
+              <a:cs typeface="+mj-cs"/>
+            </a:endParaRPr>
+          </a:p>
+        </p:txBody>
+      </p:sp>
+      <p:sp>
+        <p:nvSpPr>
+          <p:cNvPr id="5" name="日期版面配置區 4"/>
+          <p:cNvSpPr>
+            <a:spLocks noGrp="1"/>
+          </p:cNvSpPr>
+          <p:nvPr>
+            <p:ph type="dt" sz="half" idx="10"/>
+          </p:nvPr>
+        </p:nvSpPr>
+        <p:spPr/>
+        <p:txBody>
+          <a:bodyPr/>
+          <a:lstStyle/>
+          <a:p>
+            <a:fld id="{A4F910E6-8D00-4BAF-8C48-9688E0B449D3}" type="datetime1">
+              <a:rPr lang="zh-TW" altLang="en-US" smtClean="0"/>
+              <a:pPr/>
+              <a:t>2022/10/17</a:t>
+            </a:fld>
+            <a:endParaRPr lang="zh-TW" altLang="en-US"/>
+          </a:p>
+        </p:txBody>
+      </p:sp>
+      <p:sp>
+        <p:nvSpPr>
+          <p:cNvPr id="6" name="投影片編號版面配置區 5"/>
+          <p:cNvSpPr>
+            <a:spLocks noGrp="1"/>
+          </p:cNvSpPr>
+          <p:nvPr>
+            <p:ph type="sldNum" sz="quarter" idx="12"/>
+          </p:nvPr>
+        </p:nvSpPr>
+        <p:spPr/>
+        <p:txBody>
+          <a:bodyPr/>
+          <a:lstStyle/>
+          <a:p>
+            <a:fld id="{E4D7E63D-91F2-4366-A2C4-1B00C9E2590E}" type="slidenum">
+              <a:rPr lang="zh-TW" altLang="en-US" smtClean="0"/>
+              <a:pPr/>
+              <a:t>2</a:t>
+            </a:fld>
+            <a:endParaRPr lang="zh-TW" altLang="en-US"/>
+          </a:p>
+        </p:txBody>
+      </p:sp>
+    </p:spTree>
+    <p:extLst>
+      <p:ext uri="{BB962C8B-B14F-4D97-AF65-F5344CB8AC3E}">
+        <p14:creationId xmlns:p14="http://schemas.microsoft.com/office/powerpoint/2010/main" val="3327016651"/>
+      </p:ext>
+    </p:extLst>
+  </p:cSld>
+  <p:clrMapOvr>
+    <a:masterClrMapping/>
+  </p:clrMapOvr>
+</p:sld>
+</file>
+
+<file path=ppt/slides/slide20.xml><?xml version="1.0" encoding="utf-8"?>
+<p:sld xmlns:a="http://schemas.openxmlformats.org/drawingml/2006/main" xmlns:r="http://schemas.openxmlformats.org/officeDocument/2006/relationships" xmlns:p="http://schemas.openxmlformats.org/presentationml/2006/main">
+  <p:cSld>
+    <p:spTree>
+      <p:nvGrpSpPr>
+        <p:cNvPr id="1" name=""/>
+        <p:cNvGrpSpPr/>
+        <p:nvPr/>
+      </p:nvGrpSpPr>
+      <p:grpSpPr>
+        <a:xfrm>
+          <a:off x="0" y="0"/>
+          <a:ext cx="0" cy="0"/>
+          <a:chOff x="0" y="0"/>
+          <a:chExt cx="0" cy="0"/>
+        </a:xfrm>
+      </p:grpSpPr>
+      <p:sp>
+        <p:nvSpPr>
+          <p:cNvPr id="2" name="標題 1"/>
+          <p:cNvSpPr>
+            <a:spLocks noGrp="1"/>
+          </p:cNvSpPr>
+          <p:nvPr>
+            <p:ph type="ctrTitle"/>
+          </p:nvPr>
+        </p:nvSpPr>
+        <p:spPr>
+          <a:xfrm>
             <a:off x="0" y="2130425"/>
             <a:ext cx="9144000" cy="1470025"/>
           </a:xfrm>
@@ -6502,7 +7027,7 @@
             <a:fld id="{E4D7E63D-91F2-4366-A2C4-1B00C9E2590E}" type="slidenum">
               <a:rPr lang="zh-TW" altLang="en-US" smtClean="0"/>
               <a:pPr/>
-              <a:t>19</a:t>
+              <a:t>20</a:t>
             </a:fld>
             <a:endParaRPr lang="zh-TW" altLang="en-US"/>
           </a:p>
@@ -6568,7 +7093,7 @@
 </p:sld>
 </file>
 
-<file path=ppt/slides/slide2.xml><?xml version="1.0" encoding="utf-8"?>
+<file path=ppt/slides/slide21.xml><?xml version="1.0" encoding="utf-8"?>
 <p:sld xmlns:a="http://schemas.openxmlformats.org/drawingml/2006/main" xmlns:r="http://schemas.openxmlformats.org/officeDocument/2006/relationships" xmlns:p="http://schemas.openxmlformats.org/presentationml/2006/main">
   <p:cSld>
     <p:spTree>
@@ -6640,7 +7165,7 @@
                   <a:srgbClr val="FFFF00"/>
                 </a:solidFill>
               </a:rPr>
-              <a:t>010 Array Data Structure</a:t>
+              <a:t>010.7 Index Value Replace at Operation</a:t>
             </a:r>
             <a:endParaRPr lang="zh-TW" altLang="en-US" sz="4000" b="1" dirty="0">
               <a:solidFill>
@@ -6662,8 +7187,8 @@
         </p:nvSpPr>
         <p:spPr>
           <a:xfrm>
-            <a:off x="444969" y="1268758"/>
-            <a:ext cx="8241831" cy="2520282"/>
+            <a:off x="457199" y="1196370"/>
+            <a:ext cx="8523719" cy="1008494"/>
           </a:xfrm>
           <a:ln>
             <a:solidFill>
@@ -6686,13 +7211,40 @@
               <a:buChar char="u"/>
             </a:pPr>
             <a:r>
+              <a:rPr lang="en-US" sz="1800" b="1" i="0" dirty="0">
+                <a:solidFill>
+                  <a:srgbClr val="000000"/>
+                </a:solidFill>
+                <a:effectLst/>
+                <a:cs typeface="Heebo" pitchFamily="2" charset="-79"/>
+              </a:rPr>
+              <a:t>Index Va</a:t>
+            </a:r>
+            <a:r>
               <a:rPr lang="en-US" sz="1800" b="1" dirty="0">
                 <a:solidFill>
-                  <a:schemeClr val="tx1"/>
-                </a:solidFill>
+                  <a:srgbClr val="000000"/>
+                </a:solidFill>
+                <a:cs typeface="Heebo" pitchFamily="2" charset="-79"/>
               </a:rPr>
-              <a:t>Array Data Structure</a:t>
-            </a:r>
+              <a:t>le Replace at</a:t>
+            </a:r>
+            <a:r>
+              <a:rPr lang="en-US" sz="1800" b="1" i="0" dirty="0">
+                <a:solidFill>
+                  <a:srgbClr val="000000"/>
+                </a:solidFill>
+                <a:effectLst/>
+                <a:cs typeface="Heebo" pitchFamily="2" charset="-79"/>
+              </a:rPr>
+              <a:t> Operation</a:t>
+            </a:r>
+            <a:endParaRPr lang="en-US" sz="1800" b="1" dirty="0">
+              <a:solidFill>
+                <a:srgbClr val="000000"/>
+              </a:solidFill>
+              <a:cs typeface="Heebo" pitchFamily="2" charset="-79"/>
+            </a:endParaRPr>
           </a:p>
           <a:p>
             <a:pPr marL="342900" indent="-342900" algn="l">
@@ -6710,82 +7262,7 @@
                 </a:solidFill>
                 <a:effectLst/>
               </a:rPr>
-              <a:t>Array is a container which can hold a fix number of items and these items should be of the same type.</a:t>
-            </a:r>
-          </a:p>
-          <a:p>
-            <a:pPr marL="342900" indent="-342900" algn="l">
-              <a:buClr>
-                <a:srgbClr val="0070C0"/>
-              </a:buClr>
-              <a:buSzPct val="80000"/>
-              <a:buFont typeface="Wingdings" pitchFamily="2" charset="2"/>
-              <a:buChar char="u"/>
-            </a:pPr>
-            <a:r>
-              <a:rPr lang="en-US" sz="1800" b="0" i="0" dirty="0">
-                <a:solidFill>
-                  <a:srgbClr val="000000"/>
-                </a:solidFill>
-                <a:effectLst/>
-              </a:rPr>
-              <a:t>Most of the data structures make use of arrays to implement their algorithms. Following are the important terms to understand the concept of Array.</a:t>
-            </a:r>
-          </a:p>
-          <a:p>
-            <a:pPr marL="800100" lvl="1" indent="-342900" algn="l">
-              <a:buClr>
-                <a:srgbClr val="0070C0"/>
-              </a:buClr>
-              <a:buSzPct val="80000"/>
-              <a:buFont typeface="Wingdings" pitchFamily="2" charset="2"/>
-              <a:buChar char="u"/>
-            </a:pPr>
-            <a:r>
-              <a:rPr lang="en-US" sz="1800" b="1" i="0" dirty="0">
-                <a:solidFill>
-                  <a:srgbClr val="000000"/>
-                </a:solidFill>
-                <a:effectLst/>
-              </a:rPr>
-              <a:t>Element</a:t>
-            </a:r>
-            <a:r>
-              <a:rPr lang="en-US" sz="1800" b="0" i="0" dirty="0">
-                <a:solidFill>
-                  <a:srgbClr val="000000"/>
-                </a:solidFill>
-                <a:effectLst/>
-              </a:rPr>
-              <a:t> − Each item stored in an array is called an element.</a:t>
-            </a:r>
-          </a:p>
-          <a:p>
-            <a:pPr marL="800100" lvl="1" indent="-342900" algn="l">
-              <a:buClr>
-                <a:srgbClr val="0070C0"/>
-              </a:buClr>
-              <a:buSzPct val="80000"/>
-              <a:buFont typeface="Wingdings" pitchFamily="2" charset="2"/>
-              <a:buChar char="u"/>
-            </a:pPr>
-            <a:r>
-              <a:rPr lang="en-US" sz="1800" b="1" i="0" dirty="0">
-                <a:solidFill>
-                  <a:srgbClr val="000000"/>
-                </a:solidFill>
-                <a:effectLst/>
-              </a:rPr>
-              <a:t>Index</a:t>
-            </a:r>
-            <a:r>
-              <a:rPr lang="en-US" sz="1800" b="0" i="0" dirty="0">
-                <a:solidFill>
-                  <a:srgbClr val="000000"/>
-                </a:solidFill>
-                <a:effectLst/>
-              </a:rPr>
-              <a:t> − Each location of an element in an array has a numerical index, which is used to identify the element.</a:t>
+              <a:t>Update operation refers to updating an existing element from the array at a given index.</a:t>
             </a:r>
           </a:p>
         </p:txBody>
@@ -6883,7 +7360,7 @@
             <a:fld id="{A4F910E6-8D00-4BAF-8C48-9688E0B449D3}" type="datetime1">
               <a:rPr lang="zh-TW" altLang="en-US" smtClean="0"/>
               <a:pPr/>
-              <a:t>2022/10/16</a:t>
+              <a:t>2022/10/17</a:t>
             </a:fld>
             <a:endParaRPr lang="zh-TW" altLang="en-US"/>
           </a:p>
@@ -6907,317 +7384,7 @@
             <a:fld id="{E4D7E63D-91F2-4366-A2C4-1B00C9E2590E}" type="slidenum">
               <a:rPr lang="zh-TW" altLang="en-US" smtClean="0"/>
               <a:pPr/>
-              <a:t>2</a:t>
-            </a:fld>
-            <a:endParaRPr lang="zh-TW" altLang="en-US"/>
-          </a:p>
-        </p:txBody>
-      </p:sp>
-    </p:spTree>
-    <p:extLst>
-      <p:ext uri="{BB962C8B-B14F-4D97-AF65-F5344CB8AC3E}">
-        <p14:creationId xmlns:p14="http://schemas.microsoft.com/office/powerpoint/2010/main" val="3327016651"/>
-      </p:ext>
-    </p:extLst>
-  </p:cSld>
-  <p:clrMapOvr>
-    <a:masterClrMapping/>
-  </p:clrMapOvr>
-</p:sld>
-</file>
-
-<file path=ppt/slides/slide20.xml><?xml version="1.0" encoding="utf-8"?>
-<p:sld xmlns:a="http://schemas.openxmlformats.org/drawingml/2006/main" xmlns:r="http://schemas.openxmlformats.org/officeDocument/2006/relationships" xmlns:p="http://schemas.openxmlformats.org/presentationml/2006/main">
-  <p:cSld>
-    <p:spTree>
-      <p:nvGrpSpPr>
-        <p:cNvPr id="1" name=""/>
-        <p:cNvGrpSpPr/>
-        <p:nvPr/>
-      </p:nvGrpSpPr>
-      <p:grpSpPr>
-        <a:xfrm>
-          <a:off x="0" y="0"/>
-          <a:ext cx="0" cy="0"/>
-          <a:chOff x="0" y="0"/>
-          <a:chExt cx="0" cy="0"/>
-        </a:xfrm>
-      </p:grpSpPr>
-      <p:sp>
-        <p:nvSpPr>
-          <p:cNvPr id="2" name="標題 1"/>
-          <p:cNvSpPr>
-            <a:spLocks noGrp="1"/>
-          </p:cNvSpPr>
-          <p:nvPr>
-            <p:ph type="ctrTitle"/>
-          </p:nvPr>
-        </p:nvSpPr>
-        <p:spPr>
-          <a:xfrm>
-            <a:off x="0" y="1"/>
-            <a:ext cx="9144000" cy="764704"/>
-          </a:xfrm>
-          <a:gradFill flip="none" rotWithShape="1">
-            <a:gsLst>
-              <a:gs pos="0">
-                <a:srgbClr val="C00000">
-                  <a:shade val="30000"/>
-                  <a:satMod val="115000"/>
-                </a:srgbClr>
-              </a:gs>
-              <a:gs pos="50000">
-                <a:srgbClr val="C00000">
-                  <a:shade val="67500"/>
-                  <a:satMod val="115000"/>
-                </a:srgbClr>
-              </a:gs>
-              <a:gs pos="100000">
-                <a:srgbClr val="C00000">
-                  <a:shade val="100000"/>
-                  <a:satMod val="115000"/>
-                </a:srgbClr>
-              </a:gs>
-            </a:gsLst>
-            <a:path path="circle">
-              <a:fillToRect t="100000" r="100000"/>
-            </a:path>
-            <a:tileRect l="-100000" b="-100000"/>
-          </a:gradFill>
-        </p:spPr>
-        <p:txBody>
-          <a:bodyPr>
-            <a:normAutofit/>
-          </a:bodyPr>
-          <a:lstStyle/>
-          <a:p>
-            <a:pPr algn="l"/>
-            <a:r>
-              <a:rPr lang="en-US" altLang="zh-TW" sz="4000" b="1" dirty="0">
-                <a:solidFill>
-                  <a:srgbClr val="FFFF00"/>
-                </a:solidFill>
-              </a:rPr>
-              <a:t>010.7 Index Value Replace at Operation</a:t>
-            </a:r>
-            <a:endParaRPr lang="zh-TW" altLang="en-US" sz="4000" b="1" dirty="0">
-              <a:solidFill>
-                <a:srgbClr val="FFFF00"/>
-              </a:solidFill>
-            </a:endParaRPr>
-          </a:p>
-        </p:txBody>
-      </p:sp>
-      <p:sp>
-        <p:nvSpPr>
-          <p:cNvPr id="3" name="副標題 2"/>
-          <p:cNvSpPr>
-            <a:spLocks noGrp="1"/>
-          </p:cNvSpPr>
-          <p:nvPr>
-            <p:ph type="subTitle" idx="1"/>
-          </p:nvPr>
-        </p:nvSpPr>
-        <p:spPr>
-          <a:xfrm>
-            <a:off x="457199" y="1196370"/>
-            <a:ext cx="8523719" cy="1008494"/>
-          </a:xfrm>
-          <a:ln>
-            <a:solidFill>
-              <a:srgbClr val="C00000"/>
-            </a:solidFill>
-          </a:ln>
-        </p:spPr>
-        <p:txBody>
-          <a:bodyPr>
-            <a:noAutofit/>
-          </a:bodyPr>
-          <a:lstStyle/>
-          <a:p>
-            <a:pPr marL="342900" indent="-342900" algn="l">
-              <a:buClr>
-                <a:srgbClr val="0070C0"/>
-              </a:buClr>
-              <a:buSzPct val="80000"/>
-              <a:buFont typeface="Wingdings" pitchFamily="2" charset="2"/>
-              <a:buChar char="u"/>
-            </a:pPr>
-            <a:r>
-              <a:rPr lang="en-US" sz="1800" b="1" i="0" dirty="0">
-                <a:solidFill>
-                  <a:srgbClr val="000000"/>
-                </a:solidFill>
-                <a:effectLst/>
-                <a:cs typeface="Heebo" pitchFamily="2" charset="-79"/>
-              </a:rPr>
-              <a:t>Index Va</a:t>
-            </a:r>
-            <a:r>
-              <a:rPr lang="en-US" sz="1800" b="1" dirty="0">
-                <a:solidFill>
-                  <a:srgbClr val="000000"/>
-                </a:solidFill>
-                <a:cs typeface="Heebo" pitchFamily="2" charset="-79"/>
-              </a:rPr>
-              <a:t>le Replace at</a:t>
-            </a:r>
-            <a:r>
-              <a:rPr lang="en-US" sz="1800" b="1" i="0" dirty="0">
-                <a:solidFill>
-                  <a:srgbClr val="000000"/>
-                </a:solidFill>
-                <a:effectLst/>
-                <a:cs typeface="Heebo" pitchFamily="2" charset="-79"/>
-              </a:rPr>
-              <a:t> Operation</a:t>
-            </a:r>
-            <a:endParaRPr lang="en-US" sz="1800" b="1" dirty="0">
-              <a:solidFill>
-                <a:srgbClr val="000000"/>
-              </a:solidFill>
-              <a:cs typeface="Heebo" pitchFamily="2" charset="-79"/>
-            </a:endParaRPr>
-          </a:p>
-          <a:p>
-            <a:pPr marL="342900" indent="-342900" algn="l">
-              <a:buClr>
-                <a:srgbClr val="0070C0"/>
-              </a:buClr>
-              <a:buSzPct val="80000"/>
-              <a:buFont typeface="Wingdings" pitchFamily="2" charset="2"/>
-              <a:buChar char="u"/>
-            </a:pPr>
-            <a:r>
-              <a:rPr lang="en-US" sz="1800" b="0" i="0" dirty="0">
-                <a:solidFill>
-                  <a:srgbClr val="000000"/>
-                </a:solidFill>
-                <a:effectLst/>
-              </a:rPr>
-              <a:t>Update operation refers to updating an existing element from the array at a given index.</a:t>
-            </a:r>
-          </a:p>
-        </p:txBody>
-      </p:sp>
-      <p:sp>
-        <p:nvSpPr>
-          <p:cNvPr id="4" name="標題 1"/>
-          <p:cNvSpPr txBox="1">
-            <a:spLocks/>
-          </p:cNvSpPr>
-          <p:nvPr/>
-        </p:nvSpPr>
-        <p:spPr>
-          <a:xfrm>
-            <a:off x="0" y="764704"/>
-            <a:ext cx="9144000" cy="360040"/>
-          </a:xfrm>
-          <a:prstGeom prst="rect">
-            <a:avLst/>
-          </a:prstGeom>
-          <a:gradFill flip="none" rotWithShape="1">
-            <a:gsLst>
-              <a:gs pos="0">
-                <a:srgbClr val="00B0F0">
-                  <a:shade val="30000"/>
-                  <a:satMod val="115000"/>
-                </a:srgbClr>
-              </a:gs>
-              <a:gs pos="50000">
-                <a:srgbClr val="00B0F0">
-                  <a:shade val="67500"/>
-                  <a:satMod val="115000"/>
-                </a:srgbClr>
-              </a:gs>
-              <a:gs pos="100000">
-                <a:srgbClr val="00B0F0">
-                  <a:shade val="100000"/>
-                  <a:satMod val="115000"/>
-                </a:srgbClr>
-              </a:gs>
-            </a:gsLst>
-            <a:path path="circle">
-              <a:fillToRect t="100000" r="100000"/>
-            </a:path>
-            <a:tileRect l="-100000" b="-100000"/>
-          </a:gradFill>
-        </p:spPr>
-        <p:txBody>
-          <a:bodyPr vert="horz" lIns="91440" tIns="45720" rIns="91440" bIns="45720" rtlCol="0" anchor="ctr">
-            <a:normAutofit/>
-          </a:bodyPr>
-          <a:lstStyle/>
-          <a:p>
-            <a:pPr lvl="0">
-              <a:spcBef>
-                <a:spcPct val="0"/>
-              </a:spcBef>
-            </a:pPr>
-            <a:r>
-              <a:rPr lang="en-US" sz="1600" dirty="0"/>
-              <a:t>https://www.tutorialspoint.com/data_structures_algorithms/array_data_structure.htm</a:t>
-            </a:r>
-            <a:endParaRPr kumimoji="0" lang="zh-TW" altLang="en-US" sz="1600" b="0" i="0" u="none" strike="noStrike" kern="1200" cap="none" spc="0" normalizeH="0" baseline="0" noProof="0" dirty="0">
-              <a:ln>
-                <a:noFill/>
-              </a:ln>
-              <a:solidFill>
-                <a:schemeClr val="tx1"/>
-              </a:solidFill>
-              <a:effectLst/>
-              <a:uLnTx/>
-              <a:uFillTx/>
-              <a:latin typeface="+mj-lt"/>
-              <a:ea typeface="+mj-ea"/>
-              <a:cs typeface="+mj-cs"/>
-            </a:endParaRPr>
-          </a:p>
-        </p:txBody>
-      </p:sp>
-      <p:sp>
-        <p:nvSpPr>
-          <p:cNvPr id="5" name="日期版面配置區 4"/>
-          <p:cNvSpPr>
-            <a:spLocks noGrp="1"/>
-          </p:cNvSpPr>
-          <p:nvPr>
-            <p:ph type="dt" sz="half" idx="10"/>
-          </p:nvPr>
-        </p:nvSpPr>
-        <p:spPr/>
-        <p:txBody>
-          <a:bodyPr/>
-          <a:lstStyle/>
-          <a:p>
-            <a:fld id="{A4F910E6-8D00-4BAF-8C48-9688E0B449D3}" type="datetime1">
-              <a:rPr lang="zh-TW" altLang="en-US" smtClean="0"/>
-              <a:pPr/>
-              <a:t>2022/10/17</a:t>
-            </a:fld>
-            <a:endParaRPr lang="zh-TW" altLang="en-US"/>
-          </a:p>
-        </p:txBody>
-      </p:sp>
-      <p:sp>
-        <p:nvSpPr>
-          <p:cNvPr id="6" name="投影片編號版面配置區 5"/>
-          <p:cNvSpPr>
-            <a:spLocks noGrp="1"/>
-          </p:cNvSpPr>
-          <p:nvPr>
-            <p:ph type="sldNum" sz="quarter" idx="12"/>
-          </p:nvPr>
-        </p:nvSpPr>
-        <p:spPr/>
-        <p:txBody>
-          <a:bodyPr/>
-          <a:lstStyle/>
-          <a:p>
-            <a:fld id="{E4D7E63D-91F2-4366-A2C4-1B00C9E2590E}" type="slidenum">
-              <a:rPr lang="zh-TW" altLang="en-US" smtClean="0"/>
-              <a:pPr/>
-              <a:t>20</a:t>
+              <a:t>21</a:t>
             </a:fld>
             <a:endParaRPr lang="zh-TW" altLang="en-US"/>
           </a:p>
@@ -7306,7 +7473,7 @@
 </p:sld>
 </file>
 
-<file path=ppt/slides/slide21.xml><?xml version="1.0" encoding="utf-8"?>
+<file path=ppt/slides/slide22.xml><?xml version="1.0" encoding="utf-8"?>
 <p:sld xmlns:a="http://schemas.openxmlformats.org/drawingml/2006/main" xmlns:r="http://schemas.openxmlformats.org/officeDocument/2006/relationships" xmlns:p="http://schemas.openxmlformats.org/presentationml/2006/main">
   <p:cSld>
     <p:spTree>
@@ -7406,7 +7573,7 @@
             <a:fld id="{E4D7E63D-91F2-4366-A2C4-1B00C9E2590E}" type="slidenum">
               <a:rPr lang="zh-TW" altLang="en-US" smtClean="0"/>
               <a:pPr/>
-              <a:t>21</a:t>
+              <a:t>22</a:t>
             </a:fld>
             <a:endParaRPr lang="zh-TW" altLang="en-US"/>
           </a:p>
@@ -7472,7 +7639,7 @@
 </p:sld>
 </file>
 
-<file path=ppt/slides/slide22.xml><?xml version="1.0" encoding="utf-8"?>
+<file path=ppt/slides/slide23.xml><?xml version="1.0" encoding="utf-8"?>
 <p:sld xmlns:a="http://schemas.openxmlformats.org/drawingml/2006/main" xmlns:r="http://schemas.openxmlformats.org/officeDocument/2006/relationships" xmlns:p="http://schemas.openxmlformats.org/presentationml/2006/main">
   <p:cSld>
     <p:spTree>
@@ -7744,7 +7911,7 @@
             <a:fld id="{E4D7E63D-91F2-4366-A2C4-1B00C9E2590E}" type="slidenum">
               <a:rPr lang="zh-TW" altLang="en-US" smtClean="0"/>
               <a:pPr/>
-              <a:t>22</a:t>
+              <a:t>23</a:t>
             </a:fld>
             <a:endParaRPr lang="zh-TW" altLang="en-US"/>
           </a:p>
@@ -7833,7 +8000,7 @@
 </p:sld>
 </file>
 
-<file path=ppt/slides/slide23.xml><?xml version="1.0" encoding="utf-8"?>
+<file path=ppt/slides/slide24.xml><?xml version="1.0" encoding="utf-8"?>
 <p:sld xmlns:a="http://schemas.openxmlformats.org/drawingml/2006/main" xmlns:r="http://schemas.openxmlformats.org/officeDocument/2006/relationships" xmlns:p="http://schemas.openxmlformats.org/presentationml/2006/main">
   <p:cSld>
     <p:spTree>
@@ -7933,7 +8100,7 @@
             <a:fld id="{E4D7E63D-91F2-4366-A2C4-1B00C9E2590E}" type="slidenum">
               <a:rPr lang="zh-TW" altLang="en-US" smtClean="0"/>
               <a:pPr/>
-              <a:t>23</a:t>
+              <a:t>24</a:t>
             </a:fld>
             <a:endParaRPr lang="zh-TW" altLang="en-US"/>
           </a:p>
@@ -7999,7 +8166,7 @@
 </p:sld>
 </file>
 
-<file path=ppt/slides/slide24.xml><?xml version="1.0" encoding="utf-8"?>
+<file path=ppt/slides/slide25.xml><?xml version="1.0" encoding="utf-8"?>
 <p:sld xmlns:a="http://schemas.openxmlformats.org/drawingml/2006/main" xmlns:r="http://schemas.openxmlformats.org/officeDocument/2006/relationships" xmlns:p="http://schemas.openxmlformats.org/presentationml/2006/main">
   <p:cSld>
     <p:spTree>
@@ -8265,7 +8432,7 @@
             <a:fld id="{E4D7E63D-91F2-4366-A2C4-1B00C9E2590E}" type="slidenum">
               <a:rPr lang="zh-TW" altLang="en-US" smtClean="0"/>
               <a:pPr/>
-              <a:t>24</a:t>
+              <a:t>25</a:t>
             </a:fld>
             <a:endParaRPr lang="zh-TW" altLang="en-US"/>
           </a:p>
@@ -8354,7 +8521,7 @@
 </p:sld>
 </file>
 
-<file path=ppt/slides/slide25.xml><?xml version="1.0" encoding="utf-8"?>
+<file path=ppt/slides/slide26.xml><?xml version="1.0" encoding="utf-8"?>
 <p:sld xmlns:a="http://schemas.openxmlformats.org/drawingml/2006/main" xmlns:r="http://schemas.openxmlformats.org/officeDocument/2006/relationships" xmlns:p="http://schemas.openxmlformats.org/presentationml/2006/main">
   <p:cSld>
     <p:spTree>
@@ -8453,7 +8620,7 @@
             <a:fld id="{4E46BE27-E923-4EC2-B046-3272AE2A3E5C}" type="datetime1">
               <a:rPr lang="zh-TW" altLang="en-US" smtClean="0"/>
               <a:pPr/>
-              <a:t>2022/10/16</a:t>
+              <a:t>2022/10/17</a:t>
             </a:fld>
             <a:endParaRPr lang="zh-TW" altLang="en-US"/>
           </a:p>
@@ -8477,7 +8644,7 @@
             <a:fld id="{E4D7E63D-91F2-4366-A2C4-1B00C9E2590E}" type="slidenum">
               <a:rPr lang="zh-TW" altLang="en-US" smtClean="0"/>
               <a:pPr/>
-              <a:t>25</a:t>
+              <a:t>26</a:t>
             </a:fld>
             <a:endParaRPr lang="zh-TW" altLang="en-US"/>
           </a:p>
@@ -8520,6 +8687,378 @@
         </p:nvSpPr>
         <p:spPr>
           <a:xfrm>
+            <a:off x="0" y="1"/>
+            <a:ext cx="9144000" cy="764704"/>
+          </a:xfrm>
+          <a:gradFill flip="none" rotWithShape="1">
+            <a:gsLst>
+              <a:gs pos="0">
+                <a:srgbClr val="C00000">
+                  <a:shade val="30000"/>
+                  <a:satMod val="115000"/>
+                </a:srgbClr>
+              </a:gs>
+              <a:gs pos="50000">
+                <a:srgbClr val="C00000">
+                  <a:shade val="67500"/>
+                  <a:satMod val="115000"/>
+                </a:srgbClr>
+              </a:gs>
+              <a:gs pos="100000">
+                <a:srgbClr val="C00000">
+                  <a:shade val="100000"/>
+                  <a:satMod val="115000"/>
+                </a:srgbClr>
+              </a:gs>
+            </a:gsLst>
+            <a:path path="circle">
+              <a:fillToRect t="100000" r="100000"/>
+            </a:path>
+            <a:tileRect l="-100000" b="-100000"/>
+          </a:gradFill>
+        </p:spPr>
+        <p:txBody>
+          <a:bodyPr>
+            <a:normAutofit/>
+          </a:bodyPr>
+          <a:lstStyle/>
+          <a:p>
+            <a:pPr algn="l"/>
+            <a:r>
+              <a:rPr lang="en-US" altLang="zh-TW" sz="4000" b="1" dirty="0">
+                <a:solidFill>
+                  <a:srgbClr val="FFFF00"/>
+                </a:solidFill>
+              </a:rPr>
+              <a:t>010 Array Data Structure</a:t>
+            </a:r>
+            <a:endParaRPr lang="zh-TW" altLang="en-US" sz="4000" b="1" dirty="0">
+              <a:solidFill>
+                <a:srgbClr val="FFFF00"/>
+              </a:solidFill>
+            </a:endParaRPr>
+          </a:p>
+        </p:txBody>
+      </p:sp>
+      <p:sp>
+        <p:nvSpPr>
+          <p:cNvPr id="3" name="副標題 2"/>
+          <p:cNvSpPr>
+            <a:spLocks noGrp="1"/>
+          </p:cNvSpPr>
+          <p:nvPr>
+            <p:ph type="subTitle" idx="1"/>
+          </p:nvPr>
+        </p:nvSpPr>
+        <p:spPr>
+          <a:xfrm>
+            <a:off x="444969" y="1268758"/>
+            <a:ext cx="8241831" cy="1944218"/>
+          </a:xfrm>
+          <a:ln>
+            <a:solidFill>
+              <a:srgbClr val="C00000"/>
+            </a:solidFill>
+          </a:ln>
+        </p:spPr>
+        <p:txBody>
+          <a:bodyPr>
+            <a:noAutofit/>
+          </a:bodyPr>
+          <a:lstStyle/>
+          <a:p>
+            <a:pPr marL="342900" indent="-342900" algn="l">
+              <a:buClr>
+                <a:srgbClr val="0070C0"/>
+              </a:buClr>
+              <a:buSzPct val="80000"/>
+              <a:buFont typeface="Wingdings" pitchFamily="2" charset="2"/>
+              <a:buChar char="u"/>
+            </a:pPr>
+            <a:r>
+              <a:rPr lang="en-US" sz="1800" b="1" dirty="0">
+                <a:solidFill>
+                  <a:schemeClr val="tx1"/>
+                </a:solidFill>
+              </a:rPr>
+              <a:t>Array Data Structure</a:t>
+            </a:r>
+          </a:p>
+          <a:p>
+            <a:pPr marL="342900" indent="-342900" algn="l">
+              <a:buClr>
+                <a:srgbClr val="0070C0"/>
+              </a:buClr>
+              <a:buSzPct val="80000"/>
+              <a:buFont typeface="Wingdings" pitchFamily="2" charset="2"/>
+              <a:buChar char="u"/>
+            </a:pPr>
+            <a:r>
+              <a:rPr lang="en-US" sz="1800">
+                <a:solidFill>
+                  <a:srgbClr val="000000"/>
+                </a:solidFill>
+              </a:rPr>
+              <a:t>Note </a:t>
+            </a:r>
+            <a:r>
+              <a:rPr lang="en-US" sz="1800" dirty="0">
+                <a:solidFill>
+                  <a:srgbClr val="000000"/>
+                </a:solidFill>
+              </a:rPr>
+              <a:t>that array cannot be resize in C/C++. </a:t>
+            </a:r>
+          </a:p>
+          <a:p>
+            <a:pPr marL="342900" indent="-342900" algn="l">
+              <a:buClr>
+                <a:srgbClr val="0070C0"/>
+              </a:buClr>
+              <a:buSzPct val="80000"/>
+              <a:buFont typeface="Wingdings" pitchFamily="2" charset="2"/>
+              <a:buChar char="u"/>
+            </a:pPr>
+            <a:r>
+              <a:rPr lang="en-US" sz="1800" dirty="0">
+                <a:solidFill>
+                  <a:srgbClr val="000000"/>
+                </a:solidFill>
+              </a:rPr>
+              <a:t>We use C/C++ STL vector instead of C/C++ only.</a:t>
+            </a:r>
+          </a:p>
+          <a:p>
+            <a:pPr marL="342900" indent="-342900" algn="l">
+              <a:buClr>
+                <a:srgbClr val="0070C0"/>
+              </a:buClr>
+              <a:buSzPct val="80000"/>
+              <a:buFont typeface="Wingdings" pitchFamily="2" charset="2"/>
+              <a:buChar char="u"/>
+            </a:pPr>
+            <a:r>
+              <a:rPr lang="en-US" sz="1800" b="0" i="0" dirty="0">
+                <a:solidFill>
+                  <a:srgbClr val="000000"/>
+                </a:solidFill>
+                <a:effectLst/>
+                <a:hlinkClick r:id="rId2"/>
+              </a:rPr>
+              <a:t>https://stackoverflow.com/questions/3749660/how-to-resize-array-in-c#:~:text=Raw%20arrays%20aren't%20resizable,manual%20resizing%20unnecessary%20for%20adding</a:t>
+            </a:r>
+            <a:r>
+              <a:rPr lang="en-US" sz="1800" b="0" i="0" dirty="0">
+                <a:solidFill>
+                  <a:srgbClr val="000000"/>
+                </a:solidFill>
+                <a:effectLst/>
+              </a:rPr>
+              <a:t>).</a:t>
+            </a:r>
+          </a:p>
+        </p:txBody>
+      </p:sp>
+      <p:sp>
+        <p:nvSpPr>
+          <p:cNvPr id="4" name="標題 1"/>
+          <p:cNvSpPr txBox="1">
+            <a:spLocks/>
+          </p:cNvSpPr>
+          <p:nvPr/>
+        </p:nvSpPr>
+        <p:spPr>
+          <a:xfrm>
+            <a:off x="0" y="764704"/>
+            <a:ext cx="9144000" cy="360040"/>
+          </a:xfrm>
+          <a:prstGeom prst="rect">
+            <a:avLst/>
+          </a:prstGeom>
+          <a:gradFill flip="none" rotWithShape="1">
+            <a:gsLst>
+              <a:gs pos="0">
+                <a:srgbClr val="00B0F0">
+                  <a:shade val="30000"/>
+                  <a:satMod val="115000"/>
+                </a:srgbClr>
+              </a:gs>
+              <a:gs pos="50000">
+                <a:srgbClr val="00B0F0">
+                  <a:shade val="67500"/>
+                  <a:satMod val="115000"/>
+                </a:srgbClr>
+              </a:gs>
+              <a:gs pos="100000">
+                <a:srgbClr val="00B0F0">
+                  <a:shade val="100000"/>
+                  <a:satMod val="115000"/>
+                </a:srgbClr>
+              </a:gs>
+            </a:gsLst>
+            <a:path path="circle">
+              <a:fillToRect t="100000" r="100000"/>
+            </a:path>
+            <a:tileRect l="-100000" b="-100000"/>
+          </a:gradFill>
+        </p:spPr>
+        <p:txBody>
+          <a:bodyPr vert="horz" lIns="91440" tIns="45720" rIns="91440" bIns="45720" rtlCol="0" anchor="ctr">
+            <a:normAutofit/>
+          </a:bodyPr>
+          <a:lstStyle/>
+          <a:p>
+            <a:pPr lvl="0">
+              <a:spcBef>
+                <a:spcPct val="0"/>
+              </a:spcBef>
+            </a:pPr>
+            <a:r>
+              <a:rPr lang="en-US" sz="1600" dirty="0"/>
+              <a:t>https://www.tutorialspoint.com/data_structures_algorithms/array_data_structure.htm</a:t>
+            </a:r>
+            <a:endParaRPr kumimoji="0" lang="zh-TW" altLang="en-US" sz="1600" b="0" i="0" u="none" strike="noStrike" kern="1200" cap="none" spc="0" normalizeH="0" baseline="0" noProof="0" dirty="0">
+              <a:ln>
+                <a:noFill/>
+              </a:ln>
+              <a:solidFill>
+                <a:schemeClr val="tx1"/>
+              </a:solidFill>
+              <a:effectLst/>
+              <a:uLnTx/>
+              <a:uFillTx/>
+              <a:latin typeface="+mj-lt"/>
+              <a:ea typeface="+mj-ea"/>
+              <a:cs typeface="+mj-cs"/>
+            </a:endParaRPr>
+          </a:p>
+        </p:txBody>
+      </p:sp>
+      <p:sp>
+        <p:nvSpPr>
+          <p:cNvPr id="5" name="日期版面配置區 4"/>
+          <p:cNvSpPr>
+            <a:spLocks noGrp="1"/>
+          </p:cNvSpPr>
+          <p:nvPr>
+            <p:ph type="dt" sz="half" idx="10"/>
+          </p:nvPr>
+        </p:nvSpPr>
+        <p:spPr/>
+        <p:txBody>
+          <a:bodyPr/>
+          <a:lstStyle/>
+          <a:p>
+            <a:fld id="{A4F910E6-8D00-4BAF-8C48-9688E0B449D3}" type="datetime1">
+              <a:rPr lang="zh-TW" altLang="en-US" smtClean="0"/>
+              <a:pPr/>
+              <a:t>2022/10/17</a:t>
+            </a:fld>
+            <a:endParaRPr lang="zh-TW" altLang="en-US"/>
+          </a:p>
+        </p:txBody>
+      </p:sp>
+      <p:sp>
+        <p:nvSpPr>
+          <p:cNvPr id="6" name="投影片編號版面配置區 5"/>
+          <p:cNvSpPr>
+            <a:spLocks noGrp="1"/>
+          </p:cNvSpPr>
+          <p:nvPr>
+            <p:ph type="sldNum" sz="quarter" idx="12"/>
+          </p:nvPr>
+        </p:nvSpPr>
+        <p:spPr/>
+        <p:txBody>
+          <a:bodyPr/>
+          <a:lstStyle/>
+          <a:p>
+            <a:fld id="{E4D7E63D-91F2-4366-A2C4-1B00C9E2590E}" type="slidenum">
+              <a:rPr lang="zh-TW" altLang="en-US" smtClean="0"/>
+              <a:pPr/>
+              <a:t>3</a:t>
+            </a:fld>
+            <a:endParaRPr lang="zh-TW" altLang="en-US"/>
+          </a:p>
+        </p:txBody>
+      </p:sp>
+      <p:pic>
+        <p:nvPicPr>
+          <p:cNvPr id="8" name="Picture 7">
+            <a:extLst>
+              <a:ext uri="{FF2B5EF4-FFF2-40B4-BE49-F238E27FC236}">
+                <a16:creationId xmlns:a16="http://schemas.microsoft.com/office/drawing/2014/main" id="{2B228E93-00CF-4D7C-6332-8854E068F2EA}"/>
+              </a:ext>
+            </a:extLst>
+          </p:cNvPr>
+          <p:cNvPicPr>
+            <a:picLocks noChangeAspect="1"/>
+          </p:cNvPicPr>
+          <p:nvPr/>
+        </p:nvPicPr>
+        <p:blipFill>
+          <a:blip r:embed="rId3"/>
+          <a:stretch>
+            <a:fillRect/>
+          </a:stretch>
+        </p:blipFill>
+        <p:spPr>
+          <a:xfrm>
+            <a:off x="424904" y="3379541"/>
+            <a:ext cx="8121276" cy="1944218"/>
+          </a:xfrm>
+          <a:prstGeom prst="rect">
+            <a:avLst/>
+          </a:prstGeom>
+          <a:ln>
+            <a:solidFill>
+              <a:srgbClr val="C00000"/>
+            </a:solidFill>
+          </a:ln>
+        </p:spPr>
+      </p:pic>
+    </p:spTree>
+    <p:extLst>
+      <p:ext uri="{BB962C8B-B14F-4D97-AF65-F5344CB8AC3E}">
+        <p14:creationId xmlns:p14="http://schemas.microsoft.com/office/powerpoint/2010/main" val="2873165651"/>
+      </p:ext>
+    </p:extLst>
+  </p:cSld>
+  <p:clrMapOvr>
+    <a:masterClrMapping/>
+  </p:clrMapOvr>
+</p:sld>
+</file>
+
+<file path=ppt/slides/slide4.xml><?xml version="1.0" encoding="utf-8"?>
+<p:sld xmlns:a="http://schemas.openxmlformats.org/drawingml/2006/main" xmlns:r="http://schemas.openxmlformats.org/officeDocument/2006/relationships" xmlns:p="http://schemas.openxmlformats.org/presentationml/2006/main">
+  <p:cSld>
+    <p:spTree>
+      <p:nvGrpSpPr>
+        <p:cNvPr id="1" name=""/>
+        <p:cNvGrpSpPr/>
+        <p:nvPr/>
+      </p:nvGrpSpPr>
+      <p:grpSpPr>
+        <a:xfrm>
+          <a:off x="0" y="0"/>
+          <a:ext cx="0" cy="0"/>
+          <a:chOff x="0" y="0"/>
+          <a:chExt cx="0" cy="0"/>
+        </a:xfrm>
+      </p:grpSpPr>
+      <p:sp>
+        <p:nvSpPr>
+          <p:cNvPr id="2" name="標題 1"/>
+          <p:cNvSpPr>
+            <a:spLocks noGrp="1"/>
+          </p:cNvSpPr>
+          <p:nvPr>
+            <p:ph type="ctrTitle"/>
+          </p:nvPr>
+        </p:nvSpPr>
+        <p:spPr>
+          <a:xfrm>
             <a:off x="0" y="2130425"/>
             <a:ext cx="9144000" cy="1470025"/>
           </a:xfrm>
@@ -8567,7 +9106,7 @@
             <a:fld id="{C389EDC9-19E3-47AC-9C57-C6A24DEA81AD}" type="datetime1">
               <a:rPr lang="zh-TW" altLang="en-US" smtClean="0"/>
               <a:pPr/>
-              <a:t>2022/10/16</a:t>
+              <a:t>2022/10/17</a:t>
             </a:fld>
             <a:endParaRPr lang="zh-TW" altLang="en-US"/>
           </a:p>
@@ -8591,7 +9130,7 @@
             <a:fld id="{E4D7E63D-91F2-4366-A2C4-1B00C9E2590E}" type="slidenum">
               <a:rPr lang="zh-TW" altLang="en-US" smtClean="0"/>
               <a:pPr/>
-              <a:t>3</a:t>
+              <a:t>4</a:t>
             </a:fld>
             <a:endParaRPr lang="zh-TW" altLang="en-US"/>
           </a:p>
@@ -8657,7 +9196,7 @@
 </p:sld>
 </file>
 
-<file path=ppt/slides/slide4.xml><?xml version="1.0" encoding="utf-8"?>
+<file path=ppt/slides/slide5.xml><?xml version="1.0" encoding="utf-8"?>
 <p:sld xmlns:a="http://schemas.openxmlformats.org/drawingml/2006/main" xmlns:r="http://schemas.openxmlformats.org/officeDocument/2006/relationships" xmlns:p="http://schemas.openxmlformats.org/presentationml/2006/main">
   <p:cSld>
     <p:spTree>
@@ -8924,7 +9463,7 @@
             <a:fld id="{A4F910E6-8D00-4BAF-8C48-9688E0B449D3}" type="datetime1">
               <a:rPr lang="zh-TW" altLang="en-US" smtClean="0"/>
               <a:pPr/>
-              <a:t>2022/10/16</a:t>
+              <a:t>2022/10/17</a:t>
             </a:fld>
             <a:endParaRPr lang="zh-TW" altLang="en-US"/>
           </a:p>
@@ -8948,7 +9487,7 @@
             <a:fld id="{E4D7E63D-91F2-4366-A2C4-1B00C9E2590E}" type="slidenum">
               <a:rPr lang="zh-TW" altLang="en-US" smtClean="0"/>
               <a:pPr/>
-              <a:t>4</a:t>
+              <a:t>5</a:t>
             </a:fld>
             <a:endParaRPr lang="zh-TW" altLang="en-US"/>
           </a:p>
@@ -9288,7 +9827,7 @@
 </p:sld>
 </file>
 
-<file path=ppt/slides/slide5.xml><?xml version="1.0" encoding="utf-8"?>
+<file path=ppt/slides/slide6.xml><?xml version="1.0" encoding="utf-8"?>
 <p:sld xmlns:a="http://schemas.openxmlformats.org/drawingml/2006/main" xmlns:r="http://schemas.openxmlformats.org/officeDocument/2006/relationships" xmlns:p="http://schemas.openxmlformats.org/presentationml/2006/main">
   <p:cSld>
     <p:spTree>
@@ -9593,7 +10132,7 @@
             <a:fld id="{A4F910E6-8D00-4BAF-8C48-9688E0B449D3}" type="datetime1">
               <a:rPr lang="zh-TW" altLang="en-US" smtClean="0"/>
               <a:pPr/>
-              <a:t>2022/10/16</a:t>
+              <a:t>2022/10/17</a:t>
             </a:fld>
             <a:endParaRPr lang="zh-TW" altLang="en-US"/>
           </a:p>
@@ -9617,7 +10156,7 @@
             <a:fld id="{E4D7E63D-91F2-4366-A2C4-1B00C9E2590E}" type="slidenum">
               <a:rPr lang="zh-TW" altLang="en-US" smtClean="0"/>
               <a:pPr/>
-              <a:t>5</a:t>
+              <a:t>6</a:t>
             </a:fld>
             <a:endParaRPr lang="zh-TW" altLang="en-US"/>
           </a:p>
@@ -9636,7 +10175,7 @@
 </p:sld>
 </file>
 
-<file path=ppt/slides/slide6.xml><?xml version="1.0" encoding="utf-8"?>
+<file path=ppt/slides/slide7.xml><?xml version="1.0" encoding="utf-8"?>
 <p:sld xmlns:a="http://schemas.openxmlformats.org/drawingml/2006/main" xmlns:r="http://schemas.openxmlformats.org/officeDocument/2006/relationships" xmlns:p="http://schemas.openxmlformats.org/presentationml/2006/main">
   <p:cSld>
     <p:spTree>
@@ -9712,7 +10251,7 @@
             <a:fld id="{C389EDC9-19E3-47AC-9C57-C6A24DEA81AD}" type="datetime1">
               <a:rPr lang="zh-TW" altLang="en-US" smtClean="0"/>
               <a:pPr/>
-              <a:t>2022/10/16</a:t>
+              <a:t>2022/10/17</a:t>
             </a:fld>
             <a:endParaRPr lang="zh-TW" altLang="en-US"/>
           </a:p>
@@ -9736,7 +10275,7 @@
             <a:fld id="{E4D7E63D-91F2-4366-A2C4-1B00C9E2590E}" type="slidenum">
               <a:rPr lang="zh-TW" altLang="en-US" smtClean="0"/>
               <a:pPr/>
-              <a:t>6</a:t>
+              <a:t>7</a:t>
             </a:fld>
             <a:endParaRPr lang="zh-TW" altLang="en-US"/>
           </a:p>
@@ -9802,7 +10341,7 @@
 </p:sld>
 </file>
 
-<file path=ppt/slides/slide7.xml><?xml version="1.0" encoding="utf-8"?>
+<file path=ppt/slides/slide8.xml><?xml version="1.0" encoding="utf-8"?>
 <p:sld xmlns:a="http://schemas.openxmlformats.org/drawingml/2006/main" xmlns:r="http://schemas.openxmlformats.org/officeDocument/2006/relationships" xmlns:p="http://schemas.openxmlformats.org/presentationml/2006/main">
   <p:cSld>
     <p:spTree>
@@ -10190,7 +10729,7 @@
             <a:fld id="{A4F910E6-8D00-4BAF-8C48-9688E0B449D3}" type="datetime1">
               <a:rPr lang="zh-TW" altLang="en-US" smtClean="0"/>
               <a:pPr/>
-              <a:t>2022/10/16</a:t>
+              <a:t>2022/10/17</a:t>
             </a:fld>
             <a:endParaRPr lang="zh-TW" altLang="en-US"/>
           </a:p>
@@ -10214,7 +10753,7 @@
             <a:fld id="{E4D7E63D-91F2-4366-A2C4-1B00C9E2590E}" type="slidenum">
               <a:rPr lang="zh-TW" altLang="en-US" smtClean="0"/>
               <a:pPr/>
-              <a:t>7</a:t>
+              <a:t>8</a:t>
             </a:fld>
             <a:endParaRPr lang="zh-TW" altLang="en-US"/>
           </a:p>
@@ -10233,7 +10772,7 @@
 </p:sld>
 </file>
 
-<file path=ppt/slides/slide8.xml><?xml version="1.0" encoding="utf-8"?>
+<file path=ppt/slides/slide9.xml><?xml version="1.0" encoding="utf-8"?>
 <p:sld xmlns:a="http://schemas.openxmlformats.org/drawingml/2006/main" xmlns:r="http://schemas.openxmlformats.org/officeDocument/2006/relationships" xmlns:p="http://schemas.openxmlformats.org/presentationml/2006/main">
   <p:cSld>
     <p:spTree>
@@ -10481,7 +11020,7 @@
             <a:fld id="{A4F910E6-8D00-4BAF-8C48-9688E0B449D3}" type="datetime1">
               <a:rPr lang="zh-TW" altLang="en-US" smtClean="0"/>
               <a:pPr/>
-              <a:t>2022/10/16</a:t>
+              <a:t>2022/10/17</a:t>
             </a:fld>
             <a:endParaRPr lang="zh-TW" altLang="en-US"/>
           </a:p>
@@ -10505,7 +11044,7 @@
             <a:fld id="{E4D7E63D-91F2-4366-A2C4-1B00C9E2590E}" type="slidenum">
               <a:rPr lang="zh-TW" altLang="en-US" smtClean="0"/>
               <a:pPr/>
-              <a:t>8</a:t>
+              <a:t>9</a:t>
             </a:fld>
             <a:endParaRPr lang="zh-TW" altLang="en-US"/>
           </a:p>
@@ -10874,172 +11413,6 @@
     <p:extLst>
       <p:ext uri="{BB962C8B-B14F-4D97-AF65-F5344CB8AC3E}">
         <p14:creationId xmlns:p14="http://schemas.microsoft.com/office/powerpoint/2010/main" val="4166697196"/>
-      </p:ext>
-    </p:extLst>
-  </p:cSld>
-  <p:clrMapOvr>
-    <a:masterClrMapping/>
-  </p:clrMapOvr>
-</p:sld>
-</file>
-
-<file path=ppt/slides/slide9.xml><?xml version="1.0" encoding="utf-8"?>
-<p:sld xmlns:a="http://schemas.openxmlformats.org/drawingml/2006/main" xmlns:r="http://schemas.openxmlformats.org/officeDocument/2006/relationships" xmlns:p="http://schemas.openxmlformats.org/presentationml/2006/main">
-  <p:cSld>
-    <p:spTree>
-      <p:nvGrpSpPr>
-        <p:cNvPr id="1" name=""/>
-        <p:cNvGrpSpPr/>
-        <p:nvPr/>
-      </p:nvGrpSpPr>
-      <p:grpSpPr>
-        <a:xfrm>
-          <a:off x="0" y="0"/>
-          <a:ext cx="0" cy="0"/>
-          <a:chOff x="0" y="0"/>
-          <a:chExt cx="0" cy="0"/>
-        </a:xfrm>
-      </p:grpSpPr>
-      <p:sp>
-        <p:nvSpPr>
-          <p:cNvPr id="2" name="標題 1"/>
-          <p:cNvSpPr>
-            <a:spLocks noGrp="1"/>
-          </p:cNvSpPr>
-          <p:nvPr>
-            <p:ph type="ctrTitle"/>
-          </p:nvPr>
-        </p:nvSpPr>
-        <p:spPr>
-          <a:xfrm>
-            <a:off x="0" y="2130425"/>
-            <a:ext cx="9144000" cy="1470025"/>
-          </a:xfrm>
-          <a:solidFill>
-            <a:srgbClr val="00B0F0"/>
-          </a:solidFill>
-        </p:spPr>
-        <p:txBody>
-          <a:bodyPr>
-            <a:normAutofit/>
-          </a:bodyPr>
-          <a:lstStyle/>
-          <a:p>
-            <a:r>
-              <a:rPr lang="en-US" altLang="zh-TW" sz="4000" b="1" dirty="0">
-                <a:solidFill>
-                  <a:srgbClr val="FFFF00"/>
-                </a:solidFill>
-              </a:rPr>
-              <a:t>010.3 Traverse Operation</a:t>
-            </a:r>
-            <a:endParaRPr lang="zh-TW" altLang="en-US" sz="4000" b="1" dirty="0">
-              <a:solidFill>
-                <a:srgbClr val="FFFF00"/>
-              </a:solidFill>
-            </a:endParaRPr>
-          </a:p>
-        </p:txBody>
-      </p:sp>
-      <p:sp>
-        <p:nvSpPr>
-          <p:cNvPr id="5" name="日期版面配置區 4"/>
-          <p:cNvSpPr>
-            <a:spLocks noGrp="1"/>
-          </p:cNvSpPr>
-          <p:nvPr>
-            <p:ph type="dt" sz="half" idx="10"/>
-          </p:nvPr>
-        </p:nvSpPr>
-        <p:spPr/>
-        <p:txBody>
-          <a:bodyPr/>
-          <a:lstStyle/>
-          <a:p>
-            <a:fld id="{C389EDC9-19E3-47AC-9C57-C6A24DEA81AD}" type="datetime1">
-              <a:rPr lang="zh-TW" altLang="en-US" smtClean="0"/>
-              <a:pPr/>
-              <a:t>2022/10/16</a:t>
-            </a:fld>
-            <a:endParaRPr lang="zh-TW" altLang="en-US"/>
-          </a:p>
-        </p:txBody>
-      </p:sp>
-      <p:sp>
-        <p:nvSpPr>
-          <p:cNvPr id="6" name="投影片編號版面配置區 5"/>
-          <p:cNvSpPr>
-            <a:spLocks noGrp="1"/>
-          </p:cNvSpPr>
-          <p:nvPr>
-            <p:ph type="sldNum" sz="quarter" idx="12"/>
-          </p:nvPr>
-        </p:nvSpPr>
-        <p:spPr/>
-        <p:txBody>
-          <a:bodyPr/>
-          <a:lstStyle/>
-          <a:p>
-            <a:fld id="{E4D7E63D-91F2-4366-A2C4-1B00C9E2590E}" type="slidenum">
-              <a:rPr lang="zh-TW" altLang="en-US" smtClean="0"/>
-              <a:pPr/>
-              <a:t>9</a:t>
-            </a:fld>
-            <a:endParaRPr lang="zh-TW" altLang="en-US"/>
-          </a:p>
-        </p:txBody>
-      </p:sp>
-      <p:pic>
-        <p:nvPicPr>
-          <p:cNvPr id="3" name="Picture 2" descr="C/C++ Development Company - ScienceSoft">
-            <a:extLst>
-              <a:ext uri="{FF2B5EF4-FFF2-40B4-BE49-F238E27FC236}">
-                <a16:creationId xmlns:a16="http://schemas.microsoft.com/office/drawing/2014/main" id="{090B1870-8599-511F-AA56-D172892D72B8}"/>
-              </a:ext>
-            </a:extLst>
-          </p:cNvPr>
-          <p:cNvPicPr>
-            <a:picLocks noChangeAspect="1" noChangeArrowheads="1"/>
-          </p:cNvPicPr>
-          <p:nvPr/>
-        </p:nvPicPr>
-        <p:blipFill>
-          <a:blip r:embed="rId2">
-            <a:extLst>
-              <a:ext uri="{28A0092B-C50C-407E-A947-70E740481C1C}">
-                <a14:useLocalDpi xmlns:a14="http://schemas.microsoft.com/office/drawing/2010/main" val="0"/>
-              </a:ext>
-            </a:extLst>
-          </a:blip>
-          <a:srcRect/>
-          <a:stretch>
-            <a:fillRect/>
-          </a:stretch>
-        </p:blipFill>
-        <p:spPr bwMode="auto">
-          <a:xfrm>
-            <a:off x="3563888" y="3861048"/>
-            <a:ext cx="1656184" cy="690077"/>
-          </a:xfrm>
-          <a:prstGeom prst="rect">
-            <a:avLst/>
-          </a:prstGeom>
-          <a:noFill/>
-          <a:extLst>
-            <a:ext uri="{909E8E84-426E-40DD-AFC4-6F175D3DCCD1}">
-              <a14:hiddenFill xmlns:a14="http://schemas.microsoft.com/office/drawing/2010/main">
-                <a:solidFill>
-                  <a:srgbClr val="FFFFFF"/>
-                </a:solidFill>
-              </a14:hiddenFill>
-            </a:ext>
-          </a:extLst>
-        </p:spPr>
-      </p:pic>
-    </p:spTree>
-    <p:extLst>
-      <p:ext uri="{BB962C8B-B14F-4D97-AF65-F5344CB8AC3E}">
-        <p14:creationId xmlns:p14="http://schemas.microsoft.com/office/powerpoint/2010/main" val="156310513"/>
       </p:ext>
     </p:extLst>
   </p:cSld>
